--- a/NodeJS学习.pptx
+++ b/NodeJS学习.pptx
@@ -31,6 +31,7 @@
     <p:sldId id="269" r:id="rId25"/>
     <p:sldId id="270" r:id="rId26"/>
     <p:sldId id="271" r:id="rId27"/>
+    <p:sldId id="282" r:id="rId28"/>
   </p:sldIdLst>
   <p:sldSz cx="12192000" cy="6858000"/>
   <p:notesSz cx="6858000" cy="9144000"/>
@@ -859,7 +860,7 @@
           <a:p>
             <a:fld id="{7F15806E-4B02-4B24-A8F1-607C4BA5CF28}" type="datetimeFigureOut">
               <a:rPr lang="zh-CN" altLang="en-US" smtClean="0"/>
-              <a:t>2019/3/25</a:t>
+              <a:t>2019/5/24</a:t>
             </a:fld>
             <a:endParaRPr lang="zh-CN" altLang="en-US"/>
           </a:p>
@@ -1110,7 +1111,7 @@
           <a:p>
             <a:fld id="{7F15806E-4B02-4B24-A8F1-607C4BA5CF28}" type="datetimeFigureOut">
               <a:rPr lang="zh-CN" altLang="en-US" smtClean="0"/>
-              <a:t>2019/3/25</a:t>
+              <a:t>2019/5/24</a:t>
             </a:fld>
             <a:endParaRPr lang="zh-CN" altLang="en-US"/>
           </a:p>
@@ -1424,7 +1425,7 @@
           <a:p>
             <a:fld id="{7F15806E-4B02-4B24-A8F1-607C4BA5CF28}" type="datetimeFigureOut">
               <a:rPr lang="zh-CN" altLang="en-US" smtClean="0"/>
-              <a:t>2019/3/25</a:t>
+              <a:t>2019/5/24</a:t>
             </a:fld>
             <a:endParaRPr lang="zh-CN" altLang="en-US"/>
           </a:p>
@@ -1765,7 +1766,7 @@
           <a:p>
             <a:fld id="{7F15806E-4B02-4B24-A8F1-607C4BA5CF28}" type="datetimeFigureOut">
               <a:rPr lang="zh-CN" altLang="en-US" smtClean="0"/>
-              <a:t>2019/3/25</a:t>
+              <a:t>2019/5/24</a:t>
             </a:fld>
             <a:endParaRPr lang="zh-CN" altLang="en-US"/>
           </a:p>
@@ -2079,7 +2080,7 @@
           <a:p>
             <a:fld id="{7F15806E-4B02-4B24-A8F1-607C4BA5CF28}" type="datetimeFigureOut">
               <a:rPr lang="zh-CN" altLang="en-US" smtClean="0"/>
-              <a:t>2019/3/25</a:t>
+              <a:t>2019/5/24</a:t>
             </a:fld>
             <a:endParaRPr lang="zh-CN" altLang="en-US"/>
           </a:p>
@@ -2472,7 +2473,7 @@
           <a:p>
             <a:fld id="{7F15806E-4B02-4B24-A8F1-607C4BA5CF28}" type="datetimeFigureOut">
               <a:rPr lang="zh-CN" altLang="en-US" smtClean="0"/>
-              <a:t>2019/3/25</a:t>
+              <a:t>2019/5/24</a:t>
             </a:fld>
             <a:endParaRPr lang="zh-CN" altLang="en-US"/>
           </a:p>
@@ -2642,7 +2643,7 @@
           <a:p>
             <a:fld id="{7F15806E-4B02-4B24-A8F1-607C4BA5CF28}" type="datetimeFigureOut">
               <a:rPr lang="zh-CN" altLang="en-US" smtClean="0"/>
-              <a:t>2019/3/25</a:t>
+              <a:t>2019/5/24</a:t>
             </a:fld>
             <a:endParaRPr lang="zh-CN" altLang="en-US"/>
           </a:p>
@@ -2822,7 +2823,7 @@
           <a:p>
             <a:fld id="{7F15806E-4B02-4B24-A8F1-607C4BA5CF28}" type="datetimeFigureOut">
               <a:rPr lang="zh-CN" altLang="en-US" smtClean="0"/>
-              <a:t>2019/3/25</a:t>
+              <a:t>2019/5/24</a:t>
             </a:fld>
             <a:endParaRPr lang="zh-CN" altLang="en-US"/>
           </a:p>
@@ -2998,7 +2999,7 @@
           <a:p>
             <a:fld id="{7F15806E-4B02-4B24-A8F1-607C4BA5CF28}" type="datetimeFigureOut">
               <a:rPr lang="zh-CN" altLang="en-US" smtClean="0"/>
-              <a:t>2019/3/25</a:t>
+              <a:t>2019/5/24</a:t>
             </a:fld>
             <a:endParaRPr lang="zh-CN" altLang="en-US"/>
           </a:p>
@@ -3245,7 +3246,7 @@
           <a:p>
             <a:fld id="{7F15806E-4B02-4B24-A8F1-607C4BA5CF28}" type="datetimeFigureOut">
               <a:rPr lang="zh-CN" altLang="en-US" smtClean="0"/>
-              <a:t>2019/3/25</a:t>
+              <a:t>2019/5/24</a:t>
             </a:fld>
             <a:endParaRPr lang="zh-CN" altLang="en-US"/>
           </a:p>
@@ -3477,7 +3478,7 @@
           <a:p>
             <a:fld id="{7F15806E-4B02-4B24-A8F1-607C4BA5CF28}" type="datetimeFigureOut">
               <a:rPr lang="zh-CN" altLang="en-US" smtClean="0"/>
-              <a:t>2019/3/25</a:t>
+              <a:t>2019/5/24</a:t>
             </a:fld>
             <a:endParaRPr lang="zh-CN" altLang="en-US"/>
           </a:p>
@@ -3851,7 +3852,7 @@
           <a:p>
             <a:fld id="{7F15806E-4B02-4B24-A8F1-607C4BA5CF28}" type="datetimeFigureOut">
               <a:rPr lang="zh-CN" altLang="en-US" smtClean="0"/>
-              <a:t>2019/3/25</a:t>
+              <a:t>2019/5/24</a:t>
             </a:fld>
             <a:endParaRPr lang="zh-CN" altLang="en-US"/>
           </a:p>
@@ -3974,7 +3975,7 @@
           <a:p>
             <a:fld id="{7F15806E-4B02-4B24-A8F1-607C4BA5CF28}" type="datetimeFigureOut">
               <a:rPr lang="zh-CN" altLang="en-US" smtClean="0"/>
-              <a:t>2019/3/25</a:t>
+              <a:t>2019/5/24</a:t>
             </a:fld>
             <a:endParaRPr lang="zh-CN" altLang="en-US"/>
           </a:p>
@@ -4069,7 +4070,7 @@
           <a:p>
             <a:fld id="{7F15806E-4B02-4B24-A8F1-607C4BA5CF28}" type="datetimeFigureOut">
               <a:rPr lang="zh-CN" altLang="en-US" smtClean="0"/>
-              <a:t>2019/3/25</a:t>
+              <a:t>2019/5/24</a:t>
             </a:fld>
             <a:endParaRPr lang="zh-CN" altLang="en-US"/>
           </a:p>
@@ -4324,7 +4325,7 @@
           <a:p>
             <a:fld id="{7F15806E-4B02-4B24-A8F1-607C4BA5CF28}" type="datetimeFigureOut">
               <a:rPr lang="zh-CN" altLang="en-US" smtClean="0"/>
-              <a:t>2019/3/25</a:t>
+              <a:t>2019/5/24</a:t>
             </a:fld>
             <a:endParaRPr lang="zh-CN" altLang="en-US"/>
           </a:p>
@@ -4587,7 +4588,7 @@
           <a:p>
             <a:fld id="{7F15806E-4B02-4B24-A8F1-607C4BA5CF28}" type="datetimeFigureOut">
               <a:rPr lang="zh-CN" altLang="en-US" smtClean="0"/>
-              <a:t>2019/3/25</a:t>
+              <a:t>2019/5/24</a:t>
             </a:fld>
             <a:endParaRPr lang="zh-CN" altLang="en-US"/>
           </a:p>
@@ -5330,7 +5331,7 @@
           <a:p>
             <a:fld id="{7F15806E-4B02-4B24-A8F1-607C4BA5CF28}" type="datetimeFigureOut">
               <a:rPr lang="zh-CN" altLang="en-US" smtClean="0"/>
-              <a:t>2019/3/25</a:t>
+              <a:t>2019/5/24</a:t>
             </a:fld>
             <a:endParaRPr lang="zh-CN" altLang="en-US"/>
           </a:p>
@@ -8806,6 +8807,17 @@
             </a:r>
             <a:endParaRPr lang="en-US" altLang="zh-CN" dirty="0"/>
           </a:p>
+          <a:p>
+            <a:pPr marL="457200" indent="-457200" algn="l">
+              <a:buFont typeface="+mj-lt"/>
+              <a:buAutoNum type="arabicPeriod"/>
+            </a:pPr>
+            <a:r>
+              <a:rPr lang="zh-CN" altLang="en-US"/>
+              <a:t>其他</a:t>
+            </a:r>
+            <a:endParaRPr lang="en-US" altLang="zh-CN"/>
+          </a:p>
         </p:txBody>
       </p:sp>
     </p:spTree>
@@ -9970,6 +9982,38 @@
           <a:bodyPr/>
           <a:lstStyle/>
           <a:p>
+            <a:r>
+              <a:rPr lang="zh-CN" altLang="en-US" dirty="0"/>
+              <a:t>处理回调炼狱</a:t>
+            </a:r>
+            <a:endParaRPr lang="en-US" altLang="zh-CN" dirty="0"/>
+          </a:p>
+          <a:p>
+            <a:r>
+              <a:rPr lang="en-US" altLang="zh-CN" dirty="0"/>
+              <a:t>pending,</a:t>
+            </a:r>
+            <a:r>
+              <a:rPr lang="zh-CN" altLang="en-US" dirty="0"/>
+              <a:t> </a:t>
+            </a:r>
+            <a:r>
+              <a:rPr lang="en-US" altLang="zh-CN" dirty="0"/>
+              <a:t>resolved,</a:t>
+            </a:r>
+            <a:r>
+              <a:rPr lang="zh-CN" altLang="en-US" dirty="0"/>
+              <a:t> </a:t>
+            </a:r>
+            <a:r>
+              <a:rPr lang="en-US" altLang="zh-CN"/>
+              <a:t>rejected</a:t>
+            </a:r>
+          </a:p>
+          <a:p>
+            <a:pPr marL="0" indent="0">
+              <a:buNone/>
+            </a:pPr>
             <a:endParaRPr lang="zh-CN" altLang="en-US" dirty="0"/>
           </a:p>
         </p:txBody>
@@ -10347,6 +10391,153 @@
     <p:extLst>
       <p:ext uri="{BB962C8B-B14F-4D97-AF65-F5344CB8AC3E}">
         <p14:creationId xmlns:p14="http://schemas.microsoft.com/office/powerpoint/2010/main" val="1584532488"/>
+      </p:ext>
+    </p:extLst>
+  </p:cSld>
+  <p:clrMapOvr>
+    <a:masterClrMapping/>
+  </p:clrMapOvr>
+</p:sld>
+</file>
+
+<file path=ppt/slides/slide27.xml><?xml version="1.0" encoding="utf-8"?>
+<p:sld xmlns:a="http://schemas.openxmlformats.org/drawingml/2006/main" xmlns:r="http://schemas.openxmlformats.org/officeDocument/2006/relationships" xmlns:p="http://schemas.openxmlformats.org/presentationml/2006/main">
+  <p:cSld>
+    <p:spTree>
+      <p:nvGrpSpPr>
+        <p:cNvPr id="1" name=""/>
+        <p:cNvGrpSpPr/>
+        <p:nvPr/>
+      </p:nvGrpSpPr>
+      <p:grpSpPr>
+        <a:xfrm>
+          <a:off x="0" y="0"/>
+          <a:ext cx="0" cy="0"/>
+          <a:chOff x="0" y="0"/>
+          <a:chExt cx="0" cy="0"/>
+        </a:xfrm>
+      </p:grpSpPr>
+      <p:sp>
+        <p:nvSpPr>
+          <p:cNvPr id="4" name="标题 1">
+            <a:extLst>
+              <a:ext uri="{FF2B5EF4-FFF2-40B4-BE49-F238E27FC236}">
+                <a16:creationId xmlns:a16="http://schemas.microsoft.com/office/drawing/2014/main" id="{A05C4B9B-CC74-44C5-A310-C8E0B93CA427}"/>
+              </a:ext>
+            </a:extLst>
+          </p:cNvPr>
+          <p:cNvSpPr>
+            <a:spLocks noGrp="1"/>
+          </p:cNvSpPr>
+          <p:nvPr>
+            <p:ph type="title"/>
+          </p:nvPr>
+        </p:nvSpPr>
+        <p:spPr>
+          <a:xfrm>
+            <a:off x="677334" y="290819"/>
+            <a:ext cx="10052184" cy="640360"/>
+          </a:xfrm>
+        </p:spPr>
+        <p:txBody>
+          <a:bodyPr/>
+          <a:lstStyle/>
+          <a:p>
+            <a:pPr algn="ctr"/>
+            <a:r>
+              <a:rPr lang="zh-CN" altLang="en-US" dirty="0"/>
+              <a:t>十三、其他</a:t>
+            </a:r>
+          </a:p>
+        </p:txBody>
+      </p:sp>
+      <p:sp>
+        <p:nvSpPr>
+          <p:cNvPr id="5" name="内容占位符 2">
+            <a:extLst>
+              <a:ext uri="{FF2B5EF4-FFF2-40B4-BE49-F238E27FC236}">
+                <a16:creationId xmlns:a16="http://schemas.microsoft.com/office/drawing/2014/main" id="{E37BDD94-905A-4AB5-8E52-801651AC0C97}"/>
+              </a:ext>
+            </a:extLst>
+          </p:cNvPr>
+          <p:cNvSpPr>
+            <a:spLocks noGrp="1"/>
+          </p:cNvSpPr>
+          <p:nvPr>
+            <p:ph idx="1"/>
+          </p:nvPr>
+        </p:nvSpPr>
+        <p:spPr>
+          <a:xfrm>
+            <a:off x="677333" y="931179"/>
+            <a:ext cx="10837333" cy="5636002"/>
+          </a:xfrm>
+        </p:spPr>
+        <p:txBody>
+          <a:bodyPr/>
+          <a:lstStyle/>
+          <a:p>
+            <a:r>
+              <a:rPr lang="en-US" altLang="zh-CN" dirty="0" err="1"/>
+              <a:t>nvm</a:t>
+            </a:r>
+            <a:r>
+              <a:rPr lang="zh-CN" altLang="en-US" dirty="0"/>
+              <a:t>工具：实现</a:t>
+            </a:r>
+            <a:r>
+              <a:rPr lang="en-US" altLang="zh-CN" dirty="0" err="1"/>
+              <a:t>nodejs</a:t>
+            </a:r>
+            <a:r>
+              <a:rPr lang="zh-CN" altLang="en-US" dirty="0"/>
+              <a:t>任意版本切换</a:t>
+            </a:r>
+            <a:endParaRPr lang="en-US" altLang="zh-CN" dirty="0"/>
+          </a:p>
+          <a:p>
+            <a:r>
+              <a:rPr lang="en-US" altLang="zh-CN" dirty="0"/>
+              <a:t>npm</a:t>
+            </a:r>
+            <a:r>
+              <a:rPr lang="zh-CN" altLang="en-US" dirty="0"/>
+              <a:t>工具：下载</a:t>
+            </a:r>
+            <a:r>
+              <a:rPr lang="en-US" altLang="zh-CN" dirty="0" err="1"/>
+              <a:t>nodejs</a:t>
+            </a:r>
+            <a:r>
+              <a:rPr lang="zh-CN" altLang="en-US" dirty="0"/>
+              <a:t>所需模块（工具库）</a:t>
+            </a:r>
+            <a:endParaRPr lang="en-US" altLang="zh-CN" dirty="0"/>
+          </a:p>
+          <a:p>
+            <a:r>
+              <a:rPr lang="en-US" altLang="zh-CN" dirty="0" err="1"/>
+              <a:t>nrm</a:t>
+            </a:r>
+            <a:r>
+              <a:rPr lang="zh-CN" altLang="en-US" dirty="0"/>
+              <a:t>工具：切换</a:t>
+            </a:r>
+            <a:r>
+              <a:rPr lang="en-US" altLang="zh-CN" dirty="0"/>
+              <a:t>npm</a:t>
+            </a:r>
+            <a:r>
+              <a:rPr lang="zh-CN" altLang="en-US" dirty="0"/>
+              <a:t>下载源</a:t>
+            </a:r>
+          </a:p>
+        </p:txBody>
+      </p:sp>
+    </p:spTree>
+    <p:extLst>
+      <p:ext uri="{BB962C8B-B14F-4D97-AF65-F5344CB8AC3E}">
+        <p14:creationId xmlns:p14="http://schemas.microsoft.com/office/powerpoint/2010/main" val="2029077920"/>
       </p:ext>
     </p:extLst>
   </p:cSld>

--- a/NodeJS学习.pptx
+++ b/NodeJS学习.pptx
@@ -860,7 +860,7 @@
           <a:p>
             <a:fld id="{7F15806E-4B02-4B24-A8F1-607C4BA5CF28}" type="datetimeFigureOut">
               <a:rPr lang="zh-CN" altLang="en-US" smtClean="0"/>
-              <a:t>2019/5/24</a:t>
+              <a:t>2019/7/14</a:t>
             </a:fld>
             <a:endParaRPr lang="zh-CN" altLang="en-US"/>
           </a:p>
@@ -1111,7 +1111,7 @@
           <a:p>
             <a:fld id="{7F15806E-4B02-4B24-A8F1-607C4BA5CF28}" type="datetimeFigureOut">
               <a:rPr lang="zh-CN" altLang="en-US" smtClean="0"/>
-              <a:t>2019/5/24</a:t>
+              <a:t>2019/7/14</a:t>
             </a:fld>
             <a:endParaRPr lang="zh-CN" altLang="en-US"/>
           </a:p>
@@ -1425,7 +1425,7 @@
           <a:p>
             <a:fld id="{7F15806E-4B02-4B24-A8F1-607C4BA5CF28}" type="datetimeFigureOut">
               <a:rPr lang="zh-CN" altLang="en-US" smtClean="0"/>
-              <a:t>2019/5/24</a:t>
+              <a:t>2019/7/14</a:t>
             </a:fld>
             <a:endParaRPr lang="zh-CN" altLang="en-US"/>
           </a:p>
@@ -1766,7 +1766,7 @@
           <a:p>
             <a:fld id="{7F15806E-4B02-4B24-A8F1-607C4BA5CF28}" type="datetimeFigureOut">
               <a:rPr lang="zh-CN" altLang="en-US" smtClean="0"/>
-              <a:t>2019/5/24</a:t>
+              <a:t>2019/7/14</a:t>
             </a:fld>
             <a:endParaRPr lang="zh-CN" altLang="en-US"/>
           </a:p>
@@ -2080,7 +2080,7 @@
           <a:p>
             <a:fld id="{7F15806E-4B02-4B24-A8F1-607C4BA5CF28}" type="datetimeFigureOut">
               <a:rPr lang="zh-CN" altLang="en-US" smtClean="0"/>
-              <a:t>2019/5/24</a:t>
+              <a:t>2019/7/14</a:t>
             </a:fld>
             <a:endParaRPr lang="zh-CN" altLang="en-US"/>
           </a:p>
@@ -2473,7 +2473,7 @@
           <a:p>
             <a:fld id="{7F15806E-4B02-4B24-A8F1-607C4BA5CF28}" type="datetimeFigureOut">
               <a:rPr lang="zh-CN" altLang="en-US" smtClean="0"/>
-              <a:t>2019/5/24</a:t>
+              <a:t>2019/7/14</a:t>
             </a:fld>
             <a:endParaRPr lang="zh-CN" altLang="en-US"/>
           </a:p>
@@ -2643,7 +2643,7 @@
           <a:p>
             <a:fld id="{7F15806E-4B02-4B24-A8F1-607C4BA5CF28}" type="datetimeFigureOut">
               <a:rPr lang="zh-CN" altLang="en-US" smtClean="0"/>
-              <a:t>2019/5/24</a:t>
+              <a:t>2019/7/14</a:t>
             </a:fld>
             <a:endParaRPr lang="zh-CN" altLang="en-US"/>
           </a:p>
@@ -2823,7 +2823,7 @@
           <a:p>
             <a:fld id="{7F15806E-4B02-4B24-A8F1-607C4BA5CF28}" type="datetimeFigureOut">
               <a:rPr lang="zh-CN" altLang="en-US" smtClean="0"/>
-              <a:t>2019/5/24</a:t>
+              <a:t>2019/7/14</a:t>
             </a:fld>
             <a:endParaRPr lang="zh-CN" altLang="en-US"/>
           </a:p>
@@ -2999,7 +2999,7 @@
           <a:p>
             <a:fld id="{7F15806E-4B02-4B24-A8F1-607C4BA5CF28}" type="datetimeFigureOut">
               <a:rPr lang="zh-CN" altLang="en-US" smtClean="0"/>
-              <a:t>2019/5/24</a:t>
+              <a:t>2019/7/14</a:t>
             </a:fld>
             <a:endParaRPr lang="zh-CN" altLang="en-US"/>
           </a:p>
@@ -3246,7 +3246,7 @@
           <a:p>
             <a:fld id="{7F15806E-4B02-4B24-A8F1-607C4BA5CF28}" type="datetimeFigureOut">
               <a:rPr lang="zh-CN" altLang="en-US" smtClean="0"/>
-              <a:t>2019/5/24</a:t>
+              <a:t>2019/7/14</a:t>
             </a:fld>
             <a:endParaRPr lang="zh-CN" altLang="en-US"/>
           </a:p>
@@ -3478,7 +3478,7 @@
           <a:p>
             <a:fld id="{7F15806E-4B02-4B24-A8F1-607C4BA5CF28}" type="datetimeFigureOut">
               <a:rPr lang="zh-CN" altLang="en-US" smtClean="0"/>
-              <a:t>2019/5/24</a:t>
+              <a:t>2019/7/14</a:t>
             </a:fld>
             <a:endParaRPr lang="zh-CN" altLang="en-US"/>
           </a:p>
@@ -3852,7 +3852,7 @@
           <a:p>
             <a:fld id="{7F15806E-4B02-4B24-A8F1-607C4BA5CF28}" type="datetimeFigureOut">
               <a:rPr lang="zh-CN" altLang="en-US" smtClean="0"/>
-              <a:t>2019/5/24</a:t>
+              <a:t>2019/7/14</a:t>
             </a:fld>
             <a:endParaRPr lang="zh-CN" altLang="en-US"/>
           </a:p>
@@ -3975,7 +3975,7 @@
           <a:p>
             <a:fld id="{7F15806E-4B02-4B24-A8F1-607C4BA5CF28}" type="datetimeFigureOut">
               <a:rPr lang="zh-CN" altLang="en-US" smtClean="0"/>
-              <a:t>2019/5/24</a:t>
+              <a:t>2019/7/14</a:t>
             </a:fld>
             <a:endParaRPr lang="zh-CN" altLang="en-US"/>
           </a:p>
@@ -4070,7 +4070,7 @@
           <a:p>
             <a:fld id="{7F15806E-4B02-4B24-A8F1-607C4BA5CF28}" type="datetimeFigureOut">
               <a:rPr lang="zh-CN" altLang="en-US" smtClean="0"/>
-              <a:t>2019/5/24</a:t>
+              <a:t>2019/7/14</a:t>
             </a:fld>
             <a:endParaRPr lang="zh-CN" altLang="en-US"/>
           </a:p>
@@ -4325,7 +4325,7 @@
           <a:p>
             <a:fld id="{7F15806E-4B02-4B24-A8F1-607C4BA5CF28}" type="datetimeFigureOut">
               <a:rPr lang="zh-CN" altLang="en-US" smtClean="0"/>
-              <a:t>2019/5/24</a:t>
+              <a:t>2019/7/14</a:t>
             </a:fld>
             <a:endParaRPr lang="zh-CN" altLang="en-US"/>
           </a:p>
@@ -4588,7 +4588,7 @@
           <a:p>
             <a:fld id="{7F15806E-4B02-4B24-A8F1-607C4BA5CF28}" type="datetimeFigureOut">
               <a:rPr lang="zh-CN" altLang="en-US" smtClean="0"/>
-              <a:t>2019/5/24</a:t>
+              <a:t>2019/7/14</a:t>
             </a:fld>
             <a:endParaRPr lang="zh-CN" altLang="en-US"/>
           </a:p>
@@ -5331,7 +5331,7 @@
           <a:p>
             <a:fld id="{7F15806E-4B02-4B24-A8F1-607C4BA5CF28}" type="datetimeFigureOut">
               <a:rPr lang="zh-CN" altLang="en-US" smtClean="0"/>
-              <a:t>2019/5/24</a:t>
+              <a:t>2019/7/14</a:t>
             </a:fld>
             <a:endParaRPr lang="zh-CN" altLang="en-US"/>
           </a:p>
@@ -8781,9 +8781,10 @@
               <a:buAutoNum type="arabicPeriod"/>
             </a:pPr>
             <a:r>
-              <a:rPr lang="en-US" altLang="zh-CN" dirty="0"/>
-              <a:t>Promise</a:t>
-            </a:r>
+              <a:rPr lang="zh-CN" altLang="en-US"/>
+              <a:t>回调地狱</a:t>
+            </a:r>
+            <a:endParaRPr lang="en-US" altLang="zh-CN" dirty="0"/>
           </a:p>
           <a:p>
             <a:pPr marL="457200" indent="-457200" algn="l">
@@ -8813,10 +8814,10 @@
               <a:buAutoNum type="arabicPeriod"/>
             </a:pPr>
             <a:r>
-              <a:rPr lang="zh-CN" altLang="en-US"/>
+              <a:rPr lang="zh-CN" altLang="en-US" dirty="0"/>
               <a:t>其他</a:t>
             </a:r>
-            <a:endParaRPr lang="en-US" altLang="zh-CN"/>
+            <a:endParaRPr lang="en-US" altLang="zh-CN" dirty="0"/>
           </a:p>
         </p:txBody>
       </p:sp>
@@ -9946,13 +9947,8 @@
             <a:pPr algn="ctr"/>
             <a:r>
               <a:rPr lang="zh-CN" altLang="en-US" dirty="0"/>
-              <a:t>十、</a:t>
-            </a:r>
-            <a:r>
-              <a:rPr lang="en-US" altLang="zh-CN" dirty="0"/>
-              <a:t>Promise</a:t>
-            </a:r>
-            <a:endParaRPr lang="zh-CN" altLang="en-US" dirty="0"/>
+              <a:t>十、回调地狱</a:t>
+            </a:r>
           </a:p>
         </p:txBody>
       </p:sp>
@@ -9991,7 +9987,7 @@
           <a:p>
             <a:r>
               <a:rPr lang="en-US" altLang="zh-CN" dirty="0"/>
-              <a:t>pending,</a:t>
+              <a:t>Promise: pending,</a:t>
             </a:r>
             <a:r>
               <a:rPr lang="zh-CN" altLang="en-US" dirty="0"/>
@@ -10006,8 +10002,14 @@
               <a:t> </a:t>
             </a:r>
             <a:r>
-              <a:rPr lang="en-US" altLang="zh-CN"/>
+              <a:rPr lang="en-US" altLang="zh-CN" dirty="0"/>
               <a:t>rejected</a:t>
+            </a:r>
+          </a:p>
+          <a:p>
+            <a:r>
+              <a:rPr lang="en-US" altLang="zh-CN" dirty="0"/>
+              <a:t>async…  await… </a:t>
             </a:r>
           </a:p>
           <a:p>
@@ -10338,6 +10340,17 @@
         <p:txBody>
           <a:bodyPr/>
           <a:lstStyle/>
+          <a:p>
+            <a:r>
+              <a:rPr lang="en-US" altLang="zh-CN" dirty="0" err="1"/>
+              <a:t>nodemon</a:t>
+            </a:r>
+            <a:r>
+              <a:rPr lang="zh-CN" altLang="en-US" dirty="0"/>
+              <a:t>只用于开发测试阶段，不要在生产服务器中使用该命令。</a:t>
+            </a:r>
+            <a:endParaRPr lang="en-US" altLang="zh-CN" dirty="0"/>
+          </a:p>
           <a:p>
             <a:r>
               <a:rPr lang="zh-CN" altLang="en-US" dirty="0"/>
